--- a/卒業論文/2012/HTET MYET MUN WIN/2013卒論中間発表ポスター.pptx
+++ b/卒業論文/2012/HTET MYET MUN WIN/2013卒論中間発表ポスター.pptx
@@ -4,6 +4,9 @@
   <p:sldMasterIdLst>
     <p:sldMasterId id="2147483648" r:id="rId1"/>
   </p:sldMasterIdLst>
+  <p:notesMasterIdLst>
+    <p:notesMasterId r:id="rId4"/>
+  </p:notesMasterIdLst>
   <p:sldIdLst>
     <p:sldId id="256" r:id="rId2"/>
     <p:sldId id="257" r:id="rId3"/>
@@ -108,6 +111,472 @@
 </p:presentation>
 </file>
 
+<file path=ppt/notesMasters/notesMaster1.xml><?xml version="1.0" encoding="utf-8"?>
+<p:notesMaster xmlns:a="http://schemas.openxmlformats.org/drawingml/2006/main" xmlns:r="http://schemas.openxmlformats.org/officeDocument/2006/relationships" xmlns:p="http://schemas.openxmlformats.org/presentationml/2006/main">
+  <p:cSld>
+    <p:bg>
+      <p:bgRef idx="1001">
+        <a:schemeClr val="bg1"/>
+      </p:bgRef>
+    </p:bg>
+    <p:spTree>
+      <p:nvGrpSpPr>
+        <p:cNvPr id="1" name=""/>
+        <p:cNvGrpSpPr/>
+        <p:nvPr/>
+      </p:nvGrpSpPr>
+      <p:grpSpPr>
+        <a:xfrm>
+          <a:off x="0" y="0"/>
+          <a:ext cx="0" cy="0"/>
+          <a:chOff x="0" y="0"/>
+          <a:chExt cx="0" cy="0"/>
+        </a:xfrm>
+      </p:grpSpPr>
+      <p:sp>
+        <p:nvSpPr>
+          <p:cNvPr id="2" name="ヘッダー プレースホルダー 1"/>
+          <p:cNvSpPr>
+            <a:spLocks noGrp="1"/>
+          </p:cNvSpPr>
+          <p:nvPr>
+            <p:ph type="hdr" sz="quarter"/>
+          </p:nvPr>
+        </p:nvSpPr>
+        <p:spPr>
+          <a:xfrm>
+            <a:off x="0" y="0"/>
+            <a:ext cx="2971800" cy="457200"/>
+          </a:xfrm>
+          <a:prstGeom prst="rect">
+            <a:avLst/>
+          </a:prstGeom>
+        </p:spPr>
+        <p:txBody>
+          <a:bodyPr vert="horz" lIns="91440" tIns="45720" rIns="91440" bIns="45720" rtlCol="0"/>
+          <a:lstStyle>
+            <a:lvl1pPr algn="l">
+              <a:defRPr sz="1200"/>
+            </a:lvl1pPr>
+          </a:lstStyle>
+          <a:p>
+            <a:endParaRPr kumimoji="1" lang="ja-JP" altLang="en-US"/>
+          </a:p>
+        </p:txBody>
+      </p:sp>
+      <p:sp>
+        <p:nvSpPr>
+          <p:cNvPr id="3" name="日付プレースホルダー 2"/>
+          <p:cNvSpPr>
+            <a:spLocks noGrp="1"/>
+          </p:cNvSpPr>
+          <p:nvPr>
+            <p:ph type="dt" idx="1"/>
+          </p:nvPr>
+        </p:nvSpPr>
+        <p:spPr>
+          <a:xfrm>
+            <a:off x="3884613" y="0"/>
+            <a:ext cx="2971800" cy="457200"/>
+          </a:xfrm>
+          <a:prstGeom prst="rect">
+            <a:avLst/>
+          </a:prstGeom>
+        </p:spPr>
+        <p:txBody>
+          <a:bodyPr vert="horz" lIns="91440" tIns="45720" rIns="91440" bIns="45720" rtlCol="0"/>
+          <a:lstStyle>
+            <a:lvl1pPr algn="r">
+              <a:defRPr sz="1200"/>
+            </a:lvl1pPr>
+          </a:lstStyle>
+          <a:p>
+            <a:fld id="{6CAE4FC6-E5B7-47CF-88DB-4BF072204522}" type="datetimeFigureOut">
+              <a:rPr kumimoji="1" lang="ja-JP" altLang="en-US" smtClean="0"/>
+              <a:t>2013/10/8</a:t>
+            </a:fld>
+            <a:endParaRPr kumimoji="1" lang="ja-JP" altLang="en-US"/>
+          </a:p>
+        </p:txBody>
+      </p:sp>
+      <p:sp>
+        <p:nvSpPr>
+          <p:cNvPr id="4" name="スライド イメージ プレースホルダー 3"/>
+          <p:cNvSpPr>
+            <a:spLocks noGrp="1" noRot="1" noChangeAspect="1"/>
+          </p:cNvSpPr>
+          <p:nvPr>
+            <p:ph type="sldImg" idx="2"/>
+          </p:nvPr>
+        </p:nvSpPr>
+        <p:spPr>
+          <a:xfrm>
+            <a:off x="2217738" y="685800"/>
+            <a:ext cx="2422525" cy="3429000"/>
+          </a:xfrm>
+          <a:prstGeom prst="rect">
+            <a:avLst/>
+          </a:prstGeom>
+          <a:noFill/>
+          <a:ln w="12700">
+            <a:solidFill>
+              <a:prstClr val="black"/>
+            </a:solidFill>
+          </a:ln>
+        </p:spPr>
+        <p:txBody>
+          <a:bodyPr vert="horz" lIns="91440" tIns="45720" rIns="91440" bIns="45720" rtlCol="0" anchor="ctr"/>
+          <a:lstStyle/>
+          <a:p>
+            <a:endParaRPr lang="ja-JP" altLang="en-US"/>
+          </a:p>
+        </p:txBody>
+      </p:sp>
+      <p:sp>
+        <p:nvSpPr>
+          <p:cNvPr id="5" name="ノート プレースホルダー 4"/>
+          <p:cNvSpPr>
+            <a:spLocks noGrp="1"/>
+          </p:cNvSpPr>
+          <p:nvPr>
+            <p:ph type="body" sz="quarter" idx="3"/>
+          </p:nvPr>
+        </p:nvSpPr>
+        <p:spPr>
+          <a:xfrm>
+            <a:off x="685800" y="4343400"/>
+            <a:ext cx="5486400" cy="4114800"/>
+          </a:xfrm>
+          <a:prstGeom prst="rect">
+            <a:avLst/>
+          </a:prstGeom>
+        </p:spPr>
+        <p:txBody>
+          <a:bodyPr vert="horz" lIns="91440" tIns="45720" rIns="91440" bIns="45720" rtlCol="0"/>
+          <a:lstStyle/>
+          <a:p>
+            <a:pPr lvl="0"/>
+            <a:r>
+              <a:rPr kumimoji="1" lang="ja-JP" altLang="en-US" smtClean="0"/>
+              <a:t>マスター テキストの書式設定</a:t>
+            </a:r>
+          </a:p>
+          <a:p>
+            <a:pPr lvl="1"/>
+            <a:r>
+              <a:rPr kumimoji="1" lang="ja-JP" altLang="en-US" smtClean="0"/>
+              <a:t>第 </a:t>
+            </a:r>
+            <a:r>
+              <a:rPr kumimoji="1" lang="en-US" altLang="ja-JP" smtClean="0"/>
+              <a:t>2 </a:t>
+            </a:r>
+            <a:r>
+              <a:rPr kumimoji="1" lang="ja-JP" altLang="en-US" smtClean="0"/>
+              <a:t>レベル</a:t>
+            </a:r>
+          </a:p>
+          <a:p>
+            <a:pPr lvl="2"/>
+            <a:r>
+              <a:rPr kumimoji="1" lang="ja-JP" altLang="en-US" smtClean="0"/>
+              <a:t>第 </a:t>
+            </a:r>
+            <a:r>
+              <a:rPr kumimoji="1" lang="en-US" altLang="ja-JP" smtClean="0"/>
+              <a:t>3 </a:t>
+            </a:r>
+            <a:r>
+              <a:rPr kumimoji="1" lang="ja-JP" altLang="en-US" smtClean="0"/>
+              <a:t>レベル</a:t>
+            </a:r>
+          </a:p>
+          <a:p>
+            <a:pPr lvl="3"/>
+            <a:r>
+              <a:rPr kumimoji="1" lang="ja-JP" altLang="en-US" smtClean="0"/>
+              <a:t>第 </a:t>
+            </a:r>
+            <a:r>
+              <a:rPr kumimoji="1" lang="en-US" altLang="ja-JP" smtClean="0"/>
+              <a:t>4 </a:t>
+            </a:r>
+            <a:r>
+              <a:rPr kumimoji="1" lang="ja-JP" altLang="en-US" smtClean="0"/>
+              <a:t>レベル</a:t>
+            </a:r>
+          </a:p>
+          <a:p>
+            <a:pPr lvl="4"/>
+            <a:r>
+              <a:rPr kumimoji="1" lang="ja-JP" altLang="en-US" smtClean="0"/>
+              <a:t>第 </a:t>
+            </a:r>
+            <a:r>
+              <a:rPr kumimoji="1" lang="en-US" altLang="ja-JP" smtClean="0"/>
+              <a:t>5 </a:t>
+            </a:r>
+            <a:r>
+              <a:rPr kumimoji="1" lang="ja-JP" altLang="en-US" smtClean="0"/>
+              <a:t>レベル</a:t>
+            </a:r>
+            <a:endParaRPr kumimoji="1" lang="ja-JP" altLang="en-US"/>
+          </a:p>
+        </p:txBody>
+      </p:sp>
+      <p:sp>
+        <p:nvSpPr>
+          <p:cNvPr id="6" name="フッター プレースホルダー 5"/>
+          <p:cNvSpPr>
+            <a:spLocks noGrp="1"/>
+          </p:cNvSpPr>
+          <p:nvPr>
+            <p:ph type="ftr" sz="quarter" idx="4"/>
+          </p:nvPr>
+        </p:nvSpPr>
+        <p:spPr>
+          <a:xfrm>
+            <a:off x="0" y="8685213"/>
+            <a:ext cx="2971800" cy="457200"/>
+          </a:xfrm>
+          <a:prstGeom prst="rect">
+            <a:avLst/>
+          </a:prstGeom>
+        </p:spPr>
+        <p:txBody>
+          <a:bodyPr vert="horz" lIns="91440" tIns="45720" rIns="91440" bIns="45720" rtlCol="0" anchor="b"/>
+          <a:lstStyle>
+            <a:lvl1pPr algn="l">
+              <a:defRPr sz="1200"/>
+            </a:lvl1pPr>
+          </a:lstStyle>
+          <a:p>
+            <a:endParaRPr kumimoji="1" lang="ja-JP" altLang="en-US"/>
+          </a:p>
+        </p:txBody>
+      </p:sp>
+      <p:sp>
+        <p:nvSpPr>
+          <p:cNvPr id="7" name="スライド番号プレースホルダー 6"/>
+          <p:cNvSpPr>
+            <a:spLocks noGrp="1"/>
+          </p:cNvSpPr>
+          <p:nvPr>
+            <p:ph type="sldNum" sz="quarter" idx="5"/>
+          </p:nvPr>
+        </p:nvSpPr>
+        <p:spPr>
+          <a:xfrm>
+            <a:off x="3884613" y="8685213"/>
+            <a:ext cx="2971800" cy="457200"/>
+          </a:xfrm>
+          <a:prstGeom prst="rect">
+            <a:avLst/>
+          </a:prstGeom>
+        </p:spPr>
+        <p:txBody>
+          <a:bodyPr vert="horz" lIns="91440" tIns="45720" rIns="91440" bIns="45720" rtlCol="0" anchor="b"/>
+          <a:lstStyle>
+            <a:lvl1pPr algn="r">
+              <a:defRPr sz="1200"/>
+            </a:lvl1pPr>
+          </a:lstStyle>
+          <a:p>
+            <a:fld id="{C7F693B8-75D3-4EDB-893B-3391BF80DA10}" type="slidenum">
+              <a:rPr kumimoji="1" lang="ja-JP" altLang="en-US" smtClean="0"/>
+              <a:t>‹#›</a:t>
+            </a:fld>
+            <a:endParaRPr kumimoji="1" lang="ja-JP" altLang="en-US"/>
+          </a:p>
+        </p:txBody>
+      </p:sp>
+    </p:spTree>
+    <p:extLst>
+      <p:ext uri="{BB962C8B-B14F-4D97-AF65-F5344CB8AC3E}">
+        <p14:creationId xmlns:p14="http://schemas.microsoft.com/office/powerpoint/2010/main" val="893881370"/>
+      </p:ext>
+    </p:extLst>
+  </p:cSld>
+  <p:clrMap bg1="lt1" tx1="dk1" bg2="lt2" tx2="dk2" accent1="accent1" accent2="accent2" accent3="accent3" accent4="accent4" accent5="accent5" accent6="accent6" hlink="hlink" folHlink="folHlink"/>
+  <p:notesStyle>
+    <a:lvl1pPr marL="0" algn="l" defTabSz="914400" rtl="0" eaLnBrk="1" latinLnBrk="0" hangingPunct="1">
+      <a:defRPr kumimoji="1" sz="1200" kern="1200">
+        <a:solidFill>
+          <a:schemeClr val="tx1"/>
+        </a:solidFill>
+        <a:latin typeface="+mn-lt"/>
+        <a:ea typeface="+mn-ea"/>
+        <a:cs typeface="+mn-cs"/>
+      </a:defRPr>
+    </a:lvl1pPr>
+    <a:lvl2pPr marL="457200" algn="l" defTabSz="914400" rtl="0" eaLnBrk="1" latinLnBrk="0" hangingPunct="1">
+      <a:defRPr kumimoji="1" sz="1200" kern="1200">
+        <a:solidFill>
+          <a:schemeClr val="tx1"/>
+        </a:solidFill>
+        <a:latin typeface="+mn-lt"/>
+        <a:ea typeface="+mn-ea"/>
+        <a:cs typeface="+mn-cs"/>
+      </a:defRPr>
+    </a:lvl2pPr>
+    <a:lvl3pPr marL="914400" algn="l" defTabSz="914400" rtl="0" eaLnBrk="1" latinLnBrk="0" hangingPunct="1">
+      <a:defRPr kumimoji="1" sz="1200" kern="1200">
+        <a:solidFill>
+          <a:schemeClr val="tx1"/>
+        </a:solidFill>
+        <a:latin typeface="+mn-lt"/>
+        <a:ea typeface="+mn-ea"/>
+        <a:cs typeface="+mn-cs"/>
+      </a:defRPr>
+    </a:lvl3pPr>
+    <a:lvl4pPr marL="1371600" algn="l" defTabSz="914400" rtl="0" eaLnBrk="1" latinLnBrk="0" hangingPunct="1">
+      <a:defRPr kumimoji="1" sz="1200" kern="1200">
+        <a:solidFill>
+          <a:schemeClr val="tx1"/>
+        </a:solidFill>
+        <a:latin typeface="+mn-lt"/>
+        <a:ea typeface="+mn-ea"/>
+        <a:cs typeface="+mn-cs"/>
+      </a:defRPr>
+    </a:lvl4pPr>
+    <a:lvl5pPr marL="1828800" algn="l" defTabSz="914400" rtl="0" eaLnBrk="1" latinLnBrk="0" hangingPunct="1">
+      <a:defRPr kumimoji="1" sz="1200" kern="1200">
+        <a:solidFill>
+          <a:schemeClr val="tx1"/>
+        </a:solidFill>
+        <a:latin typeface="+mn-lt"/>
+        <a:ea typeface="+mn-ea"/>
+        <a:cs typeface="+mn-cs"/>
+      </a:defRPr>
+    </a:lvl5pPr>
+    <a:lvl6pPr marL="2286000" algn="l" defTabSz="914400" rtl="0" eaLnBrk="1" latinLnBrk="0" hangingPunct="1">
+      <a:defRPr kumimoji="1" sz="1200" kern="1200">
+        <a:solidFill>
+          <a:schemeClr val="tx1"/>
+        </a:solidFill>
+        <a:latin typeface="+mn-lt"/>
+        <a:ea typeface="+mn-ea"/>
+        <a:cs typeface="+mn-cs"/>
+      </a:defRPr>
+    </a:lvl6pPr>
+    <a:lvl7pPr marL="2743200" algn="l" defTabSz="914400" rtl="0" eaLnBrk="1" latinLnBrk="0" hangingPunct="1">
+      <a:defRPr kumimoji="1" sz="1200" kern="1200">
+        <a:solidFill>
+          <a:schemeClr val="tx1"/>
+        </a:solidFill>
+        <a:latin typeface="+mn-lt"/>
+        <a:ea typeface="+mn-ea"/>
+        <a:cs typeface="+mn-cs"/>
+      </a:defRPr>
+    </a:lvl7pPr>
+    <a:lvl8pPr marL="3200400" algn="l" defTabSz="914400" rtl="0" eaLnBrk="1" latinLnBrk="0" hangingPunct="1">
+      <a:defRPr kumimoji="1" sz="1200" kern="1200">
+        <a:solidFill>
+          <a:schemeClr val="tx1"/>
+        </a:solidFill>
+        <a:latin typeface="+mn-lt"/>
+        <a:ea typeface="+mn-ea"/>
+        <a:cs typeface="+mn-cs"/>
+      </a:defRPr>
+    </a:lvl8pPr>
+    <a:lvl9pPr marL="3657600" algn="l" defTabSz="914400" rtl="0" eaLnBrk="1" latinLnBrk="0" hangingPunct="1">
+      <a:defRPr kumimoji="1" sz="1200" kern="1200">
+        <a:solidFill>
+          <a:schemeClr val="tx1"/>
+        </a:solidFill>
+        <a:latin typeface="+mn-lt"/>
+        <a:ea typeface="+mn-ea"/>
+        <a:cs typeface="+mn-cs"/>
+      </a:defRPr>
+    </a:lvl9pPr>
+  </p:notesStyle>
+</p:notesMaster>
+</file>
+
+<file path=ppt/notesSlides/notesSlide1.xml><?xml version="1.0" encoding="utf-8"?>
+<p:notes xmlns:a="http://schemas.openxmlformats.org/drawingml/2006/main" xmlns:r="http://schemas.openxmlformats.org/officeDocument/2006/relationships" xmlns:p="http://schemas.openxmlformats.org/presentationml/2006/main">
+  <p:cSld>
+    <p:spTree>
+      <p:nvGrpSpPr>
+        <p:cNvPr id="1" name=""/>
+        <p:cNvGrpSpPr/>
+        <p:nvPr/>
+      </p:nvGrpSpPr>
+      <p:grpSpPr>
+        <a:xfrm>
+          <a:off x="0" y="0"/>
+          <a:ext cx="0" cy="0"/>
+          <a:chOff x="0" y="0"/>
+          <a:chExt cx="0" cy="0"/>
+        </a:xfrm>
+      </p:grpSpPr>
+      <p:sp>
+        <p:nvSpPr>
+          <p:cNvPr id="2" name="スライド イメージ プレースホルダー 1"/>
+          <p:cNvSpPr>
+            <a:spLocks noGrp="1" noRot="1" noChangeAspect="1"/>
+          </p:cNvSpPr>
+          <p:nvPr>
+            <p:ph type="sldImg"/>
+          </p:nvPr>
+        </p:nvSpPr>
+        <p:spPr/>
+      </p:sp>
+      <p:sp>
+        <p:nvSpPr>
+          <p:cNvPr id="3" name="ノート プレースホルダー 2"/>
+          <p:cNvSpPr>
+            <a:spLocks noGrp="1"/>
+          </p:cNvSpPr>
+          <p:nvPr>
+            <p:ph type="body" idx="1"/>
+          </p:nvPr>
+        </p:nvSpPr>
+        <p:spPr/>
+        <p:txBody>
+          <a:bodyPr/>
+          <a:lstStyle/>
+          <a:p>
+            <a:endParaRPr kumimoji="1" lang="ja-JP" altLang="en-US" dirty="0"/>
+          </a:p>
+        </p:txBody>
+      </p:sp>
+      <p:sp>
+        <p:nvSpPr>
+          <p:cNvPr id="4" name="スライド番号プレースホルダー 3"/>
+          <p:cNvSpPr>
+            <a:spLocks noGrp="1"/>
+          </p:cNvSpPr>
+          <p:nvPr>
+            <p:ph type="sldNum" sz="quarter" idx="10"/>
+          </p:nvPr>
+        </p:nvSpPr>
+        <p:spPr/>
+        <p:txBody>
+          <a:bodyPr/>
+          <a:lstStyle/>
+          <a:p>
+            <a:fld id="{C7F693B8-75D3-4EDB-893B-3391BF80DA10}" type="slidenum">
+              <a:rPr kumimoji="1" lang="ja-JP" altLang="en-US" smtClean="0"/>
+              <a:t>1</a:t>
+            </a:fld>
+            <a:endParaRPr kumimoji="1" lang="ja-JP" altLang="en-US"/>
+          </a:p>
+        </p:txBody>
+      </p:sp>
+    </p:spTree>
+    <p:extLst>
+      <p:ext uri="{BB962C8B-B14F-4D97-AF65-F5344CB8AC3E}">
+        <p14:creationId xmlns:p14="http://schemas.microsoft.com/office/powerpoint/2010/main" val="1382709935"/>
+      </p:ext>
+    </p:extLst>
+  </p:cSld>
+  <p:clrMapOvr>
+    <a:masterClrMapping/>
+  </p:clrMapOvr>
+</p:notes>
+</file>
+
 <file path=ppt/slideLayouts/slideLayout1.xml><?xml version="1.0" encoding="utf-8"?>
 <p:sldLayout xmlns:a="http://schemas.openxmlformats.org/drawingml/2006/main" xmlns:r="http://schemas.openxmlformats.org/officeDocument/2006/relationships" xmlns:p="http://schemas.openxmlformats.org/presentationml/2006/main" type="title" preserve="1">
   <p:cSld name="タイトル スライド">
@@ -289,7 +758,7 @@
           <a:p>
             <a:fld id="{CD18CB5A-6947-405F-A94A-52FF85729738}" type="datetimeFigureOut">
               <a:rPr kumimoji="1" lang="ja-JP" altLang="en-US" smtClean="0"/>
-              <a:t>2013/10/7</a:t>
+              <a:t>2013/10/8</a:t>
             </a:fld>
             <a:endParaRPr kumimoji="1" lang="ja-JP" altLang="en-US"/>
           </a:p>
@@ -491,7 +960,7 @@
           <a:p>
             <a:fld id="{CD18CB5A-6947-405F-A94A-52FF85729738}" type="datetimeFigureOut">
               <a:rPr kumimoji="1" lang="ja-JP" altLang="en-US" smtClean="0"/>
-              <a:t>2013/10/7</a:t>
+              <a:t>2013/10/8</a:t>
             </a:fld>
             <a:endParaRPr kumimoji="1" lang="ja-JP" altLang="en-US"/>
           </a:p>
@@ -703,7 +1172,7 @@
           <a:p>
             <a:fld id="{CD18CB5A-6947-405F-A94A-52FF85729738}" type="datetimeFigureOut">
               <a:rPr kumimoji="1" lang="ja-JP" altLang="en-US" smtClean="0"/>
-              <a:t>2013/10/7</a:t>
+              <a:t>2013/10/8</a:t>
             </a:fld>
             <a:endParaRPr kumimoji="1" lang="ja-JP" altLang="en-US"/>
           </a:p>
@@ -905,7 +1374,7 @@
           <a:p>
             <a:fld id="{CD18CB5A-6947-405F-A94A-52FF85729738}" type="datetimeFigureOut">
               <a:rPr kumimoji="1" lang="ja-JP" altLang="en-US" smtClean="0"/>
-              <a:t>2013/10/7</a:t>
+              <a:t>2013/10/8</a:t>
             </a:fld>
             <a:endParaRPr kumimoji="1" lang="ja-JP" altLang="en-US"/>
           </a:p>
@@ -1151,7 +1620,7 @@
           <a:p>
             <a:fld id="{CD18CB5A-6947-405F-A94A-52FF85729738}" type="datetimeFigureOut">
               <a:rPr kumimoji="1" lang="ja-JP" altLang="en-US" smtClean="0"/>
-              <a:t>2013/10/7</a:t>
+              <a:t>2013/10/8</a:t>
             </a:fld>
             <a:endParaRPr kumimoji="1" lang="ja-JP" altLang="en-US"/>
           </a:p>
@@ -1503,7 +1972,7 @@
           <a:p>
             <a:fld id="{CD18CB5A-6947-405F-A94A-52FF85729738}" type="datetimeFigureOut">
               <a:rPr kumimoji="1" lang="ja-JP" altLang="en-US" smtClean="0"/>
-              <a:t>2013/10/7</a:t>
+              <a:t>2013/10/8</a:t>
             </a:fld>
             <a:endParaRPr kumimoji="1" lang="ja-JP" altLang="en-US"/>
           </a:p>
@@ -1994,7 +2463,7 @@
           <a:p>
             <a:fld id="{CD18CB5A-6947-405F-A94A-52FF85729738}" type="datetimeFigureOut">
               <a:rPr kumimoji="1" lang="ja-JP" altLang="en-US" smtClean="0"/>
-              <a:t>2013/10/7</a:t>
+              <a:t>2013/10/8</a:t>
             </a:fld>
             <a:endParaRPr kumimoji="1" lang="ja-JP" altLang="en-US"/>
           </a:p>
@@ -2112,7 +2581,7 @@
           <a:p>
             <a:fld id="{CD18CB5A-6947-405F-A94A-52FF85729738}" type="datetimeFigureOut">
               <a:rPr kumimoji="1" lang="ja-JP" altLang="en-US" smtClean="0"/>
-              <a:t>2013/10/7</a:t>
+              <a:t>2013/10/8</a:t>
             </a:fld>
             <a:endParaRPr kumimoji="1" lang="ja-JP" altLang="en-US"/>
           </a:p>
@@ -2207,7 +2676,7 @@
           <a:p>
             <a:fld id="{CD18CB5A-6947-405F-A94A-52FF85729738}" type="datetimeFigureOut">
               <a:rPr kumimoji="1" lang="ja-JP" altLang="en-US" smtClean="0"/>
-              <a:t>2013/10/7</a:t>
+              <a:t>2013/10/8</a:t>
             </a:fld>
             <a:endParaRPr kumimoji="1" lang="ja-JP" altLang="en-US"/>
           </a:p>
@@ -2516,7 +2985,7 @@
           <a:p>
             <a:fld id="{CD18CB5A-6947-405F-A94A-52FF85729738}" type="datetimeFigureOut">
               <a:rPr kumimoji="1" lang="ja-JP" altLang="en-US" smtClean="0"/>
-              <a:t>2013/10/7</a:t>
+              <a:t>2013/10/8</a:t>
             </a:fld>
             <a:endParaRPr kumimoji="1" lang="ja-JP" altLang="en-US"/>
           </a:p>
@@ -2769,7 +3238,7 @@
           <a:p>
             <a:fld id="{CD18CB5A-6947-405F-A94A-52FF85729738}" type="datetimeFigureOut">
               <a:rPr kumimoji="1" lang="ja-JP" altLang="en-US" smtClean="0"/>
-              <a:t>2013/10/7</a:t>
+              <a:t>2013/10/8</a:t>
             </a:fld>
             <a:endParaRPr kumimoji="1" lang="ja-JP" altLang="en-US"/>
           </a:p>
@@ -3014,7 +3483,7 @@
           <a:p>
             <a:fld id="{CD18CB5A-6947-405F-A94A-52FF85729738}" type="datetimeFigureOut">
               <a:rPr kumimoji="1" lang="ja-JP" altLang="en-US" smtClean="0"/>
-              <a:t>2013/10/7</a:t>
+              <a:t>2013/10/8</a:t>
             </a:fld>
             <a:endParaRPr kumimoji="1" lang="ja-JP" altLang="en-US"/>
           </a:p>
@@ -3375,6 +3844,14 @@
 <file path=ppt/slides/slide1.xml><?xml version="1.0" encoding="utf-8"?>
 <p:sld xmlns:a="http://schemas.openxmlformats.org/drawingml/2006/main" xmlns:r="http://schemas.openxmlformats.org/officeDocument/2006/relationships" xmlns:p="http://schemas.openxmlformats.org/presentationml/2006/main">
   <p:cSld>
+    <p:bg>
+      <p:bgPr>
+        <a:solidFill>
+          <a:schemeClr val="tx1"/>
+        </a:solidFill>
+        <a:effectLst/>
+      </p:bgPr>
+    </p:bg>
     <p:spTree>
       <p:nvGrpSpPr>
         <p:cNvPr id="1" name=""/>
@@ -3841,7 +4318,9 @@
             <a:avLst/>
           </a:prstGeom>
           <a:solidFill>
-            <a:srgbClr val="00D05E"/>
+            <a:srgbClr val="00B050">
+              <a:alpha val="75000"/>
+            </a:srgbClr>
           </a:solidFill>
           <a:ln>
             <a:noFill/>
@@ -4467,7 +4946,9 @@
             <a:avLst/>
           </a:prstGeom>
           <a:solidFill>
-            <a:srgbClr val="00D05E"/>
+            <a:srgbClr val="00B050">
+              <a:alpha val="75000"/>
+            </a:srgbClr>
           </a:solidFill>
           <a:ln>
             <a:noFill/>
@@ -4624,7 +5105,9 @@
             <a:avLst/>
           </a:prstGeom>
           <a:solidFill>
-            <a:srgbClr val="00D05E"/>
+            <a:srgbClr val="00B050">
+              <a:alpha val="75000"/>
+            </a:srgbClr>
           </a:solidFill>
           <a:ln>
             <a:noFill/>
@@ -5295,6 +5778,14 @@
 <file path=ppt/slides/slide2.xml><?xml version="1.0" encoding="utf-8"?>
 <p:sld xmlns:a="http://schemas.openxmlformats.org/drawingml/2006/main" xmlns:r="http://schemas.openxmlformats.org/officeDocument/2006/relationships" xmlns:p="http://schemas.openxmlformats.org/presentationml/2006/main">
   <p:cSld>
+    <p:bg>
+      <p:bgPr>
+        <a:solidFill>
+          <a:schemeClr val="tx1"/>
+        </a:solidFill>
+        <a:effectLst/>
+      </p:bgPr>
+    </p:bg>
     <p:spTree>
       <p:nvGrpSpPr>
         <p:cNvPr id="1" name=""/>
@@ -5809,8 +6300,8 @@
         </p:nvSpPr>
         <p:spPr>
           <a:xfrm>
-            <a:off x="11845528" y="5706939"/>
-            <a:ext cx="936104" cy="4069532"/>
+            <a:off x="11845528" y="7215931"/>
+            <a:ext cx="936104" cy="2560540"/>
           </a:xfrm>
           <a:prstGeom prst="rightBrace">
             <a:avLst/>
@@ -5842,52 +6333,6 @@
           <a:p>
             <a:pPr algn="ctr"/>
             <a:endParaRPr kumimoji="1" lang="ja-JP" altLang="en-US"/>
-          </a:p>
-        </p:txBody>
-      </p:sp>
-      <p:sp>
-        <p:nvSpPr>
-          <p:cNvPr id="11" name="テキスト ボックス 10"/>
-          <p:cNvSpPr txBox="1"/>
-          <p:nvPr/>
-        </p:nvSpPr>
-        <p:spPr>
-          <a:xfrm>
-            <a:off x="13141672" y="7314342"/>
-            <a:ext cx="7056784" cy="984885"/>
-          </a:xfrm>
-          <a:prstGeom prst="rect">
-            <a:avLst/>
-          </a:prstGeom>
-          <a:noFill/>
-        </p:spPr>
-        <p:txBody>
-          <a:bodyPr wrap="square" rtlCol="0">
-            <a:spAutoFit/>
-          </a:bodyPr>
-          <a:lstStyle/>
-          <a:p>
-            <a:r>
-              <a:rPr lang="ja-JP" altLang="en-US" dirty="0">
-                <a:solidFill>
-                  <a:schemeClr val="bg1"/>
-                </a:solidFill>
-              </a:rPr>
-              <a:t>ここ</a:t>
-            </a:r>
-            <a:r>
-              <a:rPr lang="ja-JP" altLang="en-US" dirty="0" smtClean="0">
-                <a:solidFill>
-                  <a:schemeClr val="bg1"/>
-                </a:solidFill>
-              </a:rPr>
-              <a:t>まで終わっている</a:t>
-            </a:r>
-            <a:endParaRPr kumimoji="1" lang="ja-JP" altLang="en-US" dirty="0">
-              <a:solidFill>
-                <a:schemeClr val="bg1"/>
-              </a:solidFill>
-            </a:endParaRPr>
           </a:p>
         </p:txBody>
       </p:sp>
@@ -6492,7 +6937,7 @@
           <p:nvPr>
             <p:extLst>
               <p:ext uri="{D42A27DB-BD31-4B8C-83A1-F6EECF244321}">
-                <p14:modId xmlns:p14="http://schemas.microsoft.com/office/powerpoint/2010/main" val="1979846182"/>
+                <p14:modId xmlns:p14="http://schemas.microsoft.com/office/powerpoint/2010/main" val="39979685"/>
               </p:ext>
             </p:extLst>
           </p:nvPr>
@@ -6525,7 +6970,11 @@
                       <a:endParaRPr kumimoji="1" lang="ja-JP" altLang="en-US" dirty="0"/>
                     </a:p>
                   </a:txBody>
-                  <a:tcPr/>
+                  <a:tcPr>
+                    <a:solidFill>
+                      <a:schemeClr val="tx1"/>
+                    </a:solidFill>
+                  </a:tcPr>
                 </a:tc>
                 <a:tc>
                   <a:txBody>
@@ -6540,7 +6989,11 @@
                       <a:endParaRPr kumimoji="1" lang="ja-JP" altLang="en-US" dirty="0"/>
                     </a:p>
                   </a:txBody>
-                  <a:tcPr/>
+                  <a:tcPr>
+                    <a:solidFill>
+                      <a:schemeClr val="tx1"/>
+                    </a:solidFill>
+                  </a:tcPr>
                 </a:tc>
               </a:tr>
               <a:tr h="903352">
@@ -6573,7 +7026,11 @@
                       <a:endParaRPr kumimoji="1" lang="ja-JP" altLang="en-US" dirty="0"/>
                     </a:p>
                   </a:txBody>
-                  <a:tcPr/>
+                  <a:tcPr>
+                    <a:solidFill>
+                      <a:schemeClr val="tx1"/>
+                    </a:solidFill>
+                  </a:tcPr>
                 </a:tc>
                 <a:tc>
                   <a:txBody>
@@ -6588,7 +7045,11 @@
                       <a:endParaRPr kumimoji="1" lang="ja-JP" altLang="en-US" dirty="0"/>
                     </a:p>
                   </a:txBody>
-                  <a:tcPr/>
+                  <a:tcPr>
+                    <a:solidFill>
+                      <a:schemeClr val="tx1"/>
+                    </a:solidFill>
+                  </a:tcPr>
                 </a:tc>
               </a:tr>
               <a:tr h="903352">
@@ -6621,7 +7082,11 @@
                       <a:endParaRPr kumimoji="1" lang="en-US" altLang="ja-JP" dirty="0" smtClean="0"/>
                     </a:p>
                   </a:txBody>
-                  <a:tcPr/>
+                  <a:tcPr>
+                    <a:solidFill>
+                      <a:schemeClr val="tx1"/>
+                    </a:solidFill>
+                  </a:tcPr>
                 </a:tc>
                 <a:tc>
                   <a:txBody>
@@ -6636,7 +7101,11 @@
                       <a:endParaRPr kumimoji="1" lang="ja-JP" altLang="en-US" dirty="0"/>
                     </a:p>
                   </a:txBody>
-                  <a:tcPr/>
+                  <a:tcPr>
+                    <a:solidFill>
+                      <a:schemeClr val="tx1"/>
+                    </a:solidFill>
+                  </a:tcPr>
                 </a:tc>
               </a:tr>
               <a:tr h="903352">
@@ -6665,7 +7134,11 @@
                       <a:endParaRPr kumimoji="1" lang="ja-JP" altLang="en-US" dirty="0"/>
                     </a:p>
                   </a:txBody>
-                  <a:tcPr/>
+                  <a:tcPr>
+                    <a:solidFill>
+                      <a:schemeClr val="tx1"/>
+                    </a:solidFill>
+                  </a:tcPr>
                 </a:tc>
                 <a:tc>
                   <a:txBody>
@@ -6680,13 +7153,139 @@
                       <a:endParaRPr kumimoji="1" lang="ja-JP" altLang="en-US" dirty="0"/>
                     </a:p>
                   </a:txBody>
-                  <a:tcPr/>
+                  <a:tcPr>
+                    <a:solidFill>
+                      <a:schemeClr val="tx1"/>
+                    </a:solidFill>
+                  </a:tcPr>
                 </a:tc>
               </a:tr>
             </a:tbl>
           </a:graphicData>
         </a:graphic>
       </p:graphicFrame>
+      <p:sp>
+        <p:nvSpPr>
+          <p:cNvPr id="26" name="テキスト ボックス 25"/>
+          <p:cNvSpPr txBox="1"/>
+          <p:nvPr/>
+        </p:nvSpPr>
+        <p:spPr>
+          <a:xfrm>
+            <a:off x="8029103" y="12847925"/>
+            <a:ext cx="6077375" cy="707886"/>
+          </a:xfrm>
+          <a:prstGeom prst="rect">
+            <a:avLst/>
+          </a:prstGeom>
+          <a:noFill/>
+        </p:spPr>
+        <p:txBody>
+          <a:bodyPr wrap="square" rtlCol="0">
+            <a:spAutoFit/>
+          </a:bodyPr>
+          <a:lstStyle/>
+          <a:p>
+            <a:r>
+              <a:rPr kumimoji="1" lang="en-US" altLang="ja-JP" sz="4000" dirty="0" smtClean="0">
+                <a:solidFill>
+                  <a:schemeClr val="bg1"/>
+                </a:solidFill>
+              </a:rPr>
+              <a:t>※</a:t>
+            </a:r>
+            <a:r>
+              <a:rPr kumimoji="1" lang="ja-JP" altLang="en-US" sz="4000" dirty="0" smtClean="0">
+                <a:solidFill>
+                  <a:schemeClr val="bg1"/>
+                </a:solidFill>
+              </a:rPr>
+              <a:t>アンケートを考えている</a:t>
+            </a:r>
+            <a:endParaRPr kumimoji="1" lang="ja-JP" altLang="en-US" sz="4000" dirty="0">
+              <a:solidFill>
+                <a:schemeClr val="bg1"/>
+              </a:solidFill>
+            </a:endParaRPr>
+          </a:p>
+        </p:txBody>
+      </p:sp>
+      <p:sp>
+        <p:nvSpPr>
+          <p:cNvPr id="29" name="テキスト ボックス 28"/>
+          <p:cNvSpPr txBox="1"/>
+          <p:nvPr/>
+        </p:nvSpPr>
+        <p:spPr>
+          <a:xfrm>
+            <a:off x="12997656" y="8003758"/>
+            <a:ext cx="6998304" cy="984885"/>
+          </a:xfrm>
+          <a:prstGeom prst="rect">
+            <a:avLst/>
+          </a:prstGeom>
+          <a:noFill/>
+        </p:spPr>
+        <p:txBody>
+          <a:bodyPr wrap="square" rtlCol="0">
+            <a:spAutoFit/>
+          </a:bodyPr>
+          <a:lstStyle/>
+          <a:p>
+            <a:r>
+              <a:rPr kumimoji="1" lang="ja-JP" altLang="en-US" dirty="0" smtClean="0">
+                <a:solidFill>
+                  <a:schemeClr val="bg1"/>
+                </a:solidFill>
+              </a:rPr>
+              <a:t>ここまで終わっている</a:t>
+            </a:r>
+            <a:endParaRPr kumimoji="1" lang="ja-JP" altLang="en-US" dirty="0">
+              <a:solidFill>
+                <a:schemeClr val="bg1"/>
+              </a:solidFill>
+            </a:endParaRPr>
+          </a:p>
+        </p:txBody>
+      </p:sp>
+      <p:sp>
+        <p:nvSpPr>
+          <p:cNvPr id="30" name="テキスト ボックス 29"/>
+          <p:cNvSpPr txBox="1"/>
+          <p:nvPr/>
+        </p:nvSpPr>
+        <p:spPr>
+          <a:xfrm>
+            <a:off x="12997656" y="5706939"/>
+            <a:ext cx="6768751" cy="984885"/>
+          </a:xfrm>
+          <a:prstGeom prst="rect">
+            <a:avLst/>
+          </a:prstGeom>
+          <a:noFill/>
+        </p:spPr>
+        <p:txBody>
+          <a:bodyPr wrap="square" rtlCol="0">
+            <a:spAutoFit/>
+          </a:bodyPr>
+          <a:lstStyle/>
+          <a:p>
+            <a:r>
+              <a:rPr lang="ja-JP" altLang="en-US" dirty="0" smtClean="0">
+                <a:solidFill>
+                  <a:schemeClr val="bg1"/>
+                </a:solidFill>
+              </a:rPr>
+              <a:t>課題研究で行った</a:t>
+            </a:r>
+            <a:endParaRPr kumimoji="1" lang="ja-JP" altLang="en-US" dirty="0">
+              <a:solidFill>
+                <a:schemeClr val="bg1"/>
+              </a:solidFill>
+            </a:endParaRPr>
+          </a:p>
+        </p:txBody>
+      </p:sp>
     </p:spTree>
     <p:extLst>
       <p:ext uri="{BB962C8B-B14F-4D97-AF65-F5344CB8AC3E}">
@@ -6701,6 +7300,291 @@
 </file>
 
 <file path=ppt/theme/theme1.xml><?xml version="1.0" encoding="utf-8"?>
+<a:theme xmlns:a="http://schemas.openxmlformats.org/drawingml/2006/main" name="Office ​​テーマ">
+  <a:themeElements>
+    <a:clrScheme name="リゾート">
+      <a:dk1>
+        <a:sysClr val="windowText" lastClr="000000"/>
+      </a:dk1>
+      <a:lt1>
+        <a:sysClr val="window" lastClr="FFFFFF"/>
+      </a:lt1>
+      <a:dk2>
+        <a:srgbClr val="04617B"/>
+      </a:dk2>
+      <a:lt2>
+        <a:srgbClr val="DBF5F9"/>
+      </a:lt2>
+      <a:accent1>
+        <a:srgbClr val="0F6FC6"/>
+      </a:accent1>
+      <a:accent2>
+        <a:srgbClr val="009DD9"/>
+      </a:accent2>
+      <a:accent3>
+        <a:srgbClr val="0BD0D9"/>
+      </a:accent3>
+      <a:accent4>
+        <a:srgbClr val="10CF9B"/>
+      </a:accent4>
+      <a:accent5>
+        <a:srgbClr val="7CCA62"/>
+      </a:accent5>
+      <a:accent6>
+        <a:srgbClr val="A5C249"/>
+      </a:accent6>
+      <a:hlink>
+        <a:srgbClr val="F49100"/>
+      </a:hlink>
+      <a:folHlink>
+        <a:srgbClr val="85DFD0"/>
+      </a:folHlink>
+    </a:clrScheme>
+    <a:fontScheme name="Office">
+      <a:majorFont>
+        <a:latin typeface="Calibri"/>
+        <a:ea typeface=""/>
+        <a:cs typeface=""/>
+        <a:font script="Jpan" typeface="ＭＳ Ｐゴシック"/>
+        <a:font script="Hang" typeface="맑은 고딕"/>
+        <a:font script="Hans" typeface="宋体"/>
+        <a:font script="Hant" typeface="新細明體"/>
+        <a:font script="Arab" typeface="Times New Roman"/>
+        <a:font script="Hebr" typeface="Times New Roman"/>
+        <a:font script="Thai" typeface="Angsana New"/>
+        <a:font script="Ethi" typeface="Nyala"/>
+        <a:font script="Beng" typeface="Vrinda"/>
+        <a:font script="Gujr" typeface="Shruti"/>
+        <a:font script="Khmr" typeface="MoolBoran"/>
+        <a:font script="Knda" typeface="Tunga"/>
+        <a:font script="Guru" typeface="Raavi"/>
+        <a:font script="Cans" typeface="Euphemia"/>
+        <a:font script="Cher" typeface="Plantagenet Cherokee"/>
+        <a:font script="Yiii" typeface="Microsoft Yi Baiti"/>
+        <a:font script="Tibt" typeface="Microsoft Himalaya"/>
+        <a:font script="Thaa" typeface="MV Boli"/>
+        <a:font script="Deva" typeface="Mangal"/>
+        <a:font script="Telu" typeface="Gautami"/>
+        <a:font script="Taml" typeface="Latha"/>
+        <a:font script="Syrc" typeface="Estrangelo Edessa"/>
+        <a:font script="Orya" typeface="Kalinga"/>
+        <a:font script="Mlym" typeface="Kartika"/>
+        <a:font script="Laoo" typeface="DokChampa"/>
+        <a:font script="Sinh" typeface="Iskoola Pota"/>
+        <a:font script="Mong" typeface="Mongolian Baiti"/>
+        <a:font script="Viet" typeface="Times New Roman"/>
+        <a:font script="Uigh" typeface="Microsoft Uighur"/>
+        <a:font script="Geor" typeface="Sylfaen"/>
+      </a:majorFont>
+      <a:minorFont>
+        <a:latin typeface="Calibri"/>
+        <a:ea typeface=""/>
+        <a:cs typeface=""/>
+        <a:font script="Jpan" typeface="ＭＳ Ｐゴシック"/>
+        <a:font script="Hang" typeface="맑은 고딕"/>
+        <a:font script="Hans" typeface="宋体"/>
+        <a:font script="Hant" typeface="新細明體"/>
+        <a:font script="Arab" typeface="Arial"/>
+        <a:font script="Hebr" typeface="Arial"/>
+        <a:font script="Thai" typeface="Cordia New"/>
+        <a:font script="Ethi" typeface="Nyala"/>
+        <a:font script="Beng" typeface="Vrinda"/>
+        <a:font script="Gujr" typeface="Shruti"/>
+        <a:font script="Khmr" typeface="DaunPenh"/>
+        <a:font script="Knda" typeface="Tunga"/>
+        <a:font script="Guru" typeface="Raavi"/>
+        <a:font script="Cans" typeface="Euphemia"/>
+        <a:font script="Cher" typeface="Plantagenet Cherokee"/>
+        <a:font script="Yiii" typeface="Microsoft Yi Baiti"/>
+        <a:font script="Tibt" typeface="Microsoft Himalaya"/>
+        <a:font script="Thaa" typeface="MV Boli"/>
+        <a:font script="Deva" typeface="Mangal"/>
+        <a:font script="Telu" typeface="Gautami"/>
+        <a:font script="Taml" typeface="Latha"/>
+        <a:font script="Syrc" typeface="Estrangelo Edessa"/>
+        <a:font script="Orya" typeface="Kalinga"/>
+        <a:font script="Mlym" typeface="Kartika"/>
+        <a:font script="Laoo" typeface="DokChampa"/>
+        <a:font script="Sinh" typeface="Iskoola Pota"/>
+        <a:font script="Mong" typeface="Mongolian Baiti"/>
+        <a:font script="Viet" typeface="Arial"/>
+        <a:font script="Uigh" typeface="Microsoft Uighur"/>
+        <a:font script="Geor" typeface="Sylfaen"/>
+      </a:minorFont>
+    </a:fontScheme>
+    <a:fmtScheme name="Office">
+      <a:fillStyleLst>
+        <a:solidFill>
+          <a:schemeClr val="phClr"/>
+        </a:solidFill>
+        <a:gradFill rotWithShape="1">
+          <a:gsLst>
+            <a:gs pos="0">
+              <a:schemeClr val="phClr">
+                <a:tint val="50000"/>
+                <a:satMod val="300000"/>
+              </a:schemeClr>
+            </a:gs>
+            <a:gs pos="35000">
+              <a:schemeClr val="phClr">
+                <a:tint val="37000"/>
+                <a:satMod val="300000"/>
+              </a:schemeClr>
+            </a:gs>
+            <a:gs pos="100000">
+              <a:schemeClr val="phClr">
+                <a:tint val="15000"/>
+                <a:satMod val="350000"/>
+              </a:schemeClr>
+            </a:gs>
+          </a:gsLst>
+          <a:lin ang="16200000" scaled="1"/>
+        </a:gradFill>
+        <a:gradFill rotWithShape="1">
+          <a:gsLst>
+            <a:gs pos="0">
+              <a:schemeClr val="phClr">
+                <a:shade val="51000"/>
+                <a:satMod val="130000"/>
+              </a:schemeClr>
+            </a:gs>
+            <a:gs pos="80000">
+              <a:schemeClr val="phClr">
+                <a:shade val="93000"/>
+                <a:satMod val="130000"/>
+              </a:schemeClr>
+            </a:gs>
+            <a:gs pos="100000">
+              <a:schemeClr val="phClr">
+                <a:shade val="94000"/>
+                <a:satMod val="135000"/>
+              </a:schemeClr>
+            </a:gs>
+          </a:gsLst>
+          <a:lin ang="16200000" scaled="0"/>
+        </a:gradFill>
+      </a:fillStyleLst>
+      <a:lnStyleLst>
+        <a:ln w="9525" cap="flat" cmpd="sng" algn="ctr">
+          <a:solidFill>
+            <a:schemeClr val="phClr">
+              <a:shade val="95000"/>
+              <a:satMod val="105000"/>
+            </a:schemeClr>
+          </a:solidFill>
+          <a:prstDash val="solid"/>
+        </a:ln>
+        <a:ln w="25400" cap="flat" cmpd="sng" algn="ctr">
+          <a:solidFill>
+            <a:schemeClr val="phClr"/>
+          </a:solidFill>
+          <a:prstDash val="solid"/>
+        </a:ln>
+        <a:ln w="38100" cap="flat" cmpd="sng" algn="ctr">
+          <a:solidFill>
+            <a:schemeClr val="phClr"/>
+          </a:solidFill>
+          <a:prstDash val="solid"/>
+        </a:ln>
+      </a:lnStyleLst>
+      <a:effectStyleLst>
+        <a:effectStyle>
+          <a:effectLst>
+            <a:outerShdw blurRad="40000" dist="20000" dir="5400000" rotWithShape="0">
+              <a:srgbClr val="000000">
+                <a:alpha val="38000"/>
+              </a:srgbClr>
+            </a:outerShdw>
+          </a:effectLst>
+        </a:effectStyle>
+        <a:effectStyle>
+          <a:effectLst>
+            <a:outerShdw blurRad="40000" dist="23000" dir="5400000" rotWithShape="0">
+              <a:srgbClr val="000000">
+                <a:alpha val="35000"/>
+              </a:srgbClr>
+            </a:outerShdw>
+          </a:effectLst>
+        </a:effectStyle>
+        <a:effectStyle>
+          <a:effectLst>
+            <a:outerShdw blurRad="40000" dist="23000" dir="5400000" rotWithShape="0">
+              <a:srgbClr val="000000">
+                <a:alpha val="35000"/>
+              </a:srgbClr>
+            </a:outerShdw>
+          </a:effectLst>
+          <a:scene3d>
+            <a:camera prst="orthographicFront">
+              <a:rot lat="0" lon="0" rev="0"/>
+            </a:camera>
+            <a:lightRig rig="threePt" dir="t">
+              <a:rot lat="0" lon="0" rev="1200000"/>
+            </a:lightRig>
+          </a:scene3d>
+          <a:sp3d>
+            <a:bevelT w="63500" h="25400"/>
+          </a:sp3d>
+        </a:effectStyle>
+      </a:effectStyleLst>
+      <a:bgFillStyleLst>
+        <a:solidFill>
+          <a:schemeClr val="phClr"/>
+        </a:solidFill>
+        <a:gradFill rotWithShape="1">
+          <a:gsLst>
+            <a:gs pos="0">
+              <a:schemeClr val="phClr">
+                <a:tint val="40000"/>
+                <a:satMod val="350000"/>
+              </a:schemeClr>
+            </a:gs>
+            <a:gs pos="40000">
+              <a:schemeClr val="phClr">
+                <a:tint val="45000"/>
+                <a:shade val="99000"/>
+                <a:satMod val="350000"/>
+              </a:schemeClr>
+            </a:gs>
+            <a:gs pos="100000">
+              <a:schemeClr val="phClr">
+                <a:shade val="20000"/>
+                <a:satMod val="255000"/>
+              </a:schemeClr>
+            </a:gs>
+          </a:gsLst>
+          <a:path path="circle">
+            <a:fillToRect l="50000" t="-80000" r="50000" b="180000"/>
+          </a:path>
+        </a:gradFill>
+        <a:gradFill rotWithShape="1">
+          <a:gsLst>
+            <a:gs pos="0">
+              <a:schemeClr val="phClr">
+                <a:tint val="80000"/>
+                <a:satMod val="300000"/>
+              </a:schemeClr>
+            </a:gs>
+            <a:gs pos="100000">
+              <a:schemeClr val="phClr">
+                <a:shade val="30000"/>
+                <a:satMod val="200000"/>
+              </a:schemeClr>
+            </a:gs>
+          </a:gsLst>
+          <a:path path="circle">
+            <a:fillToRect l="50000" t="50000" r="50000" b="50000"/>
+          </a:path>
+        </a:gradFill>
+      </a:bgFillStyleLst>
+    </a:fmtScheme>
+  </a:themeElements>
+  <a:objectDefaults/>
+  <a:extraClrSchemeLst/>
+</a:theme>
+</file>
+
+<file path=ppt/theme/theme2.xml><?xml version="1.0" encoding="utf-8"?>
 <a:theme xmlns:a="http://schemas.openxmlformats.org/drawingml/2006/main" name="Office ​​テーマ">
   <a:themeElements>
     <a:clrScheme name="Office">

--- a/卒業論文/2012/HTET MYET MUN WIN/2013卒論中間発表ポスター.pptx
+++ b/卒業論文/2012/HTET MYET MUN WIN/2013卒論中間発表ポスター.pptx
@@ -12,7 +12,7 @@
     <p:sldId id="257" r:id="rId3"/>
   </p:sldIdLst>
   <p:sldSz cx="21386800" cy="30279975"/>
-  <p:notesSz cx="6858000" cy="9144000"/>
+  <p:notesSz cx="6797675" cy="9926638"/>
   <p:defaultTextStyle>
     <a:defPPr>
       <a:defRPr lang="ja-JP"/>
@@ -146,7 +146,7 @@
         <p:spPr>
           <a:xfrm>
             <a:off x="0" y="0"/>
-            <a:ext cx="2971800" cy="457200"/>
+            <a:ext cx="2945659" cy="496332"/>
           </a:xfrm>
           <a:prstGeom prst="rect">
             <a:avLst/>
@@ -176,8 +176,8 @@
         </p:nvSpPr>
         <p:spPr>
           <a:xfrm>
-            <a:off x="3884613" y="0"/>
-            <a:ext cx="2971800" cy="457200"/>
+            <a:off x="3850443" y="0"/>
+            <a:ext cx="2945659" cy="496332"/>
           </a:xfrm>
           <a:prstGeom prst="rect">
             <a:avLst/>
@@ -193,7 +193,7 @@
           <a:p>
             <a:fld id="{6CAE4FC6-E5B7-47CF-88DB-4BF072204522}" type="datetimeFigureOut">
               <a:rPr kumimoji="1" lang="ja-JP" altLang="en-US" smtClean="0"/>
-              <a:t>2013/10/8</a:t>
+              <a:t>2013/10/9</a:t>
             </a:fld>
             <a:endParaRPr kumimoji="1" lang="ja-JP" altLang="en-US"/>
           </a:p>
@@ -211,8 +211,8 @@
         </p:nvSpPr>
         <p:spPr>
           <a:xfrm>
-            <a:off x="2217738" y="685800"/>
-            <a:ext cx="2422525" cy="3429000"/>
+            <a:off x="2084388" y="744538"/>
+            <a:ext cx="2628900" cy="3722687"/>
           </a:xfrm>
           <a:prstGeom prst="rect">
             <a:avLst/>
@@ -244,8 +244,8 @@
         </p:nvSpPr>
         <p:spPr>
           <a:xfrm>
-            <a:off x="685800" y="4343400"/>
-            <a:ext cx="5486400" cy="4114800"/>
+            <a:off x="679768" y="4715153"/>
+            <a:ext cx="5438140" cy="4466987"/>
           </a:xfrm>
           <a:prstGeom prst="rect">
             <a:avLst/>
@@ -336,8 +336,8 @@
         </p:nvSpPr>
         <p:spPr>
           <a:xfrm>
-            <a:off x="0" y="8685213"/>
-            <a:ext cx="2971800" cy="457200"/>
+            <a:off x="0" y="9428583"/>
+            <a:ext cx="2945659" cy="496332"/>
           </a:xfrm>
           <a:prstGeom prst="rect">
             <a:avLst/>
@@ -367,8 +367,8 @@
         </p:nvSpPr>
         <p:spPr>
           <a:xfrm>
-            <a:off x="3884613" y="8685213"/>
-            <a:ext cx="2971800" cy="457200"/>
+            <a:off x="3850443" y="9428583"/>
+            <a:ext cx="2945659" cy="496332"/>
           </a:xfrm>
           <a:prstGeom prst="rect">
             <a:avLst/>
@@ -758,7 +758,7 @@
           <a:p>
             <a:fld id="{CD18CB5A-6947-405F-A94A-52FF85729738}" type="datetimeFigureOut">
               <a:rPr kumimoji="1" lang="ja-JP" altLang="en-US" smtClean="0"/>
-              <a:t>2013/10/8</a:t>
+              <a:t>2013/10/9</a:t>
             </a:fld>
             <a:endParaRPr kumimoji="1" lang="ja-JP" altLang="en-US"/>
           </a:p>
@@ -960,7 +960,7 @@
           <a:p>
             <a:fld id="{CD18CB5A-6947-405F-A94A-52FF85729738}" type="datetimeFigureOut">
               <a:rPr kumimoji="1" lang="ja-JP" altLang="en-US" smtClean="0"/>
-              <a:t>2013/10/8</a:t>
+              <a:t>2013/10/9</a:t>
             </a:fld>
             <a:endParaRPr kumimoji="1" lang="ja-JP" altLang="en-US"/>
           </a:p>
@@ -1172,7 +1172,7 @@
           <a:p>
             <a:fld id="{CD18CB5A-6947-405F-A94A-52FF85729738}" type="datetimeFigureOut">
               <a:rPr kumimoji="1" lang="ja-JP" altLang="en-US" smtClean="0"/>
-              <a:t>2013/10/8</a:t>
+              <a:t>2013/10/9</a:t>
             </a:fld>
             <a:endParaRPr kumimoji="1" lang="ja-JP" altLang="en-US"/>
           </a:p>
@@ -1374,7 +1374,7 @@
           <a:p>
             <a:fld id="{CD18CB5A-6947-405F-A94A-52FF85729738}" type="datetimeFigureOut">
               <a:rPr kumimoji="1" lang="ja-JP" altLang="en-US" smtClean="0"/>
-              <a:t>2013/10/8</a:t>
+              <a:t>2013/10/9</a:t>
             </a:fld>
             <a:endParaRPr kumimoji="1" lang="ja-JP" altLang="en-US"/>
           </a:p>
@@ -1620,7 +1620,7 @@
           <a:p>
             <a:fld id="{CD18CB5A-6947-405F-A94A-52FF85729738}" type="datetimeFigureOut">
               <a:rPr kumimoji="1" lang="ja-JP" altLang="en-US" smtClean="0"/>
-              <a:t>2013/10/8</a:t>
+              <a:t>2013/10/9</a:t>
             </a:fld>
             <a:endParaRPr kumimoji="1" lang="ja-JP" altLang="en-US"/>
           </a:p>
@@ -1972,7 +1972,7 @@
           <a:p>
             <a:fld id="{CD18CB5A-6947-405F-A94A-52FF85729738}" type="datetimeFigureOut">
               <a:rPr kumimoji="1" lang="ja-JP" altLang="en-US" smtClean="0"/>
-              <a:t>2013/10/8</a:t>
+              <a:t>2013/10/9</a:t>
             </a:fld>
             <a:endParaRPr kumimoji="1" lang="ja-JP" altLang="en-US"/>
           </a:p>
@@ -2463,7 +2463,7 @@
           <a:p>
             <a:fld id="{CD18CB5A-6947-405F-A94A-52FF85729738}" type="datetimeFigureOut">
               <a:rPr kumimoji="1" lang="ja-JP" altLang="en-US" smtClean="0"/>
-              <a:t>2013/10/8</a:t>
+              <a:t>2013/10/9</a:t>
             </a:fld>
             <a:endParaRPr kumimoji="1" lang="ja-JP" altLang="en-US"/>
           </a:p>
@@ -2581,7 +2581,7 @@
           <a:p>
             <a:fld id="{CD18CB5A-6947-405F-A94A-52FF85729738}" type="datetimeFigureOut">
               <a:rPr kumimoji="1" lang="ja-JP" altLang="en-US" smtClean="0"/>
-              <a:t>2013/10/8</a:t>
+              <a:t>2013/10/9</a:t>
             </a:fld>
             <a:endParaRPr kumimoji="1" lang="ja-JP" altLang="en-US"/>
           </a:p>
@@ -2676,7 +2676,7 @@
           <a:p>
             <a:fld id="{CD18CB5A-6947-405F-A94A-52FF85729738}" type="datetimeFigureOut">
               <a:rPr kumimoji="1" lang="ja-JP" altLang="en-US" smtClean="0"/>
-              <a:t>2013/10/8</a:t>
+              <a:t>2013/10/9</a:t>
             </a:fld>
             <a:endParaRPr kumimoji="1" lang="ja-JP" altLang="en-US"/>
           </a:p>
@@ -2985,7 +2985,7 @@
           <a:p>
             <a:fld id="{CD18CB5A-6947-405F-A94A-52FF85729738}" type="datetimeFigureOut">
               <a:rPr kumimoji="1" lang="ja-JP" altLang="en-US" smtClean="0"/>
-              <a:t>2013/10/8</a:t>
+              <a:t>2013/10/9</a:t>
             </a:fld>
             <a:endParaRPr kumimoji="1" lang="ja-JP" altLang="en-US"/>
           </a:p>
@@ -3238,7 +3238,7 @@
           <a:p>
             <a:fld id="{CD18CB5A-6947-405F-A94A-52FF85729738}" type="datetimeFigureOut">
               <a:rPr kumimoji="1" lang="ja-JP" altLang="en-US" smtClean="0"/>
-              <a:t>2013/10/8</a:t>
+              <a:t>2013/10/9</a:t>
             </a:fld>
             <a:endParaRPr kumimoji="1" lang="ja-JP" altLang="en-US"/>
           </a:p>
@@ -3483,7 +3483,7 @@
           <a:p>
             <a:fld id="{CD18CB5A-6947-405F-A94A-52FF85729738}" type="datetimeFigureOut">
               <a:rPr kumimoji="1" lang="ja-JP" altLang="en-US" smtClean="0"/>
-              <a:t>2013/10/8</a:t>
+              <a:t>2013/10/9</a:t>
             </a:fld>
             <a:endParaRPr kumimoji="1" lang="ja-JP" altLang="en-US"/>
           </a:p>
@@ -5699,28 +5699,12 @@
           <a:p>
             <a:pPr algn="ctr"/>
             <a:r>
-              <a:rPr kumimoji="1" lang="ja-JP" altLang="en-US" sz="4000" dirty="0" smtClean="0">
+              <a:rPr lang="ja-JP" altLang="en-US" sz="4000" dirty="0">
                 <a:solidFill>
                   <a:schemeClr val="bg1"/>
                 </a:solidFill>
               </a:rPr>
-              <a:t>エンターテイメント性ではなく</a:t>
-            </a:r>
-            <a:r>
-              <a:rPr kumimoji="1" lang="ja-JP" altLang="en-US" sz="4000" dirty="0" smtClean="0">
-                <a:solidFill>
-                  <a:srgbClr val="FF0000"/>
-                </a:solidFill>
-              </a:rPr>
-              <a:t>教育・医療を主目的としたゲーム</a:t>
-            </a:r>
-            <a:r>
-              <a:rPr kumimoji="1" lang="ja-JP" altLang="en-US" sz="4000" dirty="0" smtClean="0">
-                <a:solidFill>
-                  <a:schemeClr val="bg1"/>
-                </a:solidFill>
-              </a:rPr>
-              <a:t>のジャンルを指す</a:t>
+              <a:t>教育をはじめとする社会の諸領域の問題解決のために利用されるデジタルゲーム</a:t>
             </a:r>
             <a:endParaRPr kumimoji="1" lang="en-US" altLang="ja-JP" sz="4000" dirty="0" smtClean="0">
               <a:solidFill>

--- a/卒業論文/2012/HTET MYET MUN WIN/2013卒論中間発表ポスター.pptx
+++ b/卒業論文/2012/HTET MYET MUN WIN/2013卒論中間発表ポスター.pptx
@@ -5683,7 +5683,7 @@
         </p:nvSpPr>
         <p:spPr>
           <a:xfrm>
-            <a:off x="14221792" y="26229219"/>
+            <a:off x="14437816" y="26299480"/>
             <a:ext cx="6336704" cy="3170099"/>
           </a:xfrm>
           <a:prstGeom prst="rect">
@@ -5697,7 +5697,6 @@
           </a:bodyPr>
           <a:lstStyle/>
           <a:p>
-            <a:pPr algn="ctr"/>
             <a:r>
               <a:rPr lang="ja-JP" altLang="en-US" sz="4000" dirty="0">
                 <a:solidFill>
@@ -5713,7 +5712,6 @@
             </a:endParaRPr>
           </a:p>
           <a:p>
-            <a:pPr algn="ctr"/>
             <a:r>
               <a:rPr lang="ja-JP" altLang="en-US" sz="4000" dirty="0" smtClean="0">
                 <a:solidFill>
@@ -5729,7 +5727,6 @@
             </a:endParaRPr>
           </a:p>
           <a:p>
-            <a:pPr algn="ctr"/>
             <a:r>
               <a:rPr lang="ja-JP" altLang="en-US" sz="4000" dirty="0" smtClean="0">
                 <a:solidFill>

--- a/卒業論文/2012/HTET MYET MUN WIN/2013卒論中間発表ポスター.pptx
+++ b/卒業論文/2012/HTET MYET MUN WIN/2013卒論中間発表ポスター.pptx
@@ -5444,7 +5444,7 @@
         <p:spPr>
           <a:xfrm>
             <a:off x="14221792" y="25437131"/>
-            <a:ext cx="6336704" cy="4464496"/>
+            <a:ext cx="6408712" cy="4464496"/>
           </a:xfrm>
           <a:prstGeom prst="rect">
             <a:avLst/>
@@ -5677,14 +5677,55 @@
       </p:sp>
       <p:sp>
         <p:nvSpPr>
-          <p:cNvPr id="36" name="テキスト ボックス 35"/>
+          <p:cNvPr id="38" name="角丸四角形 37"/>
+          <p:cNvSpPr/>
+          <p:nvPr/>
+        </p:nvSpPr>
+        <p:spPr>
+          <a:xfrm>
+            <a:off x="14221793" y="26229219"/>
+            <a:ext cx="6408712" cy="1296144"/>
+          </a:xfrm>
+          <a:prstGeom prst="roundRect">
+            <a:avLst/>
+          </a:prstGeom>
+        </p:spPr>
+        <p:style>
+          <a:lnRef idx="1">
+            <a:schemeClr val="accent4"/>
+          </a:lnRef>
+          <a:fillRef idx="2">
+            <a:schemeClr val="accent4"/>
+          </a:fillRef>
+          <a:effectRef idx="1">
+            <a:schemeClr val="accent4"/>
+          </a:effectRef>
+          <a:fontRef idx="minor">
+            <a:schemeClr val="dk1"/>
+          </a:fontRef>
+        </p:style>
+        <p:txBody>
+          <a:bodyPr rtlCol="0" anchor="ctr"/>
+          <a:lstStyle/>
+          <a:p>
+            <a:pPr algn="ctr"/>
+            <a:endParaRPr lang="en-US" altLang="ja-JP" sz="3600" dirty="0" smtClean="0">
+              <a:latin typeface="Times New Roman" pitchFamily="18" charset="0"/>
+              <a:cs typeface="Times New Roman" pitchFamily="18" charset="0"/>
+            </a:endParaRPr>
+          </a:p>
+        </p:txBody>
+      </p:sp>
+      <p:sp>
+        <p:nvSpPr>
+          <p:cNvPr id="2" name="テキスト ボックス 1"/>
           <p:cNvSpPr txBox="1"/>
           <p:nvPr/>
         </p:nvSpPr>
         <p:spPr>
           <a:xfrm>
-            <a:off x="14437816" y="26299480"/>
-            <a:ext cx="6336704" cy="3170099"/>
+            <a:off x="14401812" y="26464404"/>
+            <a:ext cx="5976664" cy="3539430"/>
           </a:xfrm>
           <a:prstGeom prst="rect">
             <a:avLst/>
@@ -5698,47 +5739,175 @@
           <a:lstStyle/>
           <a:p>
             <a:r>
-              <a:rPr lang="ja-JP" altLang="en-US" sz="4000" dirty="0">
+              <a:rPr lang="ja-JP" altLang="en-US" sz="2800" dirty="0" smtClean="0">
                 <a:solidFill>
                   <a:schemeClr val="bg1"/>
                 </a:solidFill>
+                <a:latin typeface="Times New Roman" pitchFamily="18" charset="0"/>
+                <a:cs typeface="Times New Roman" pitchFamily="18" charset="0"/>
               </a:rPr>
-              <a:t>教育をはじめとする社会の諸領域の問題解決のために利用されるデジタルゲーム</a:t>
-            </a:r>
-            <a:endParaRPr kumimoji="1" lang="en-US" altLang="ja-JP" sz="4000" dirty="0" smtClean="0">
+              <a:t>目的</a:t>
+            </a:r>
+            <a:r>
+              <a:rPr lang="ja-JP" altLang="en-US" sz="2800" dirty="0">
+                <a:solidFill>
+                  <a:schemeClr val="bg1"/>
+                </a:solidFill>
+                <a:latin typeface="Times New Roman" pitchFamily="18" charset="0"/>
+                <a:cs typeface="Times New Roman" pitchFamily="18" charset="0"/>
+              </a:rPr>
+              <a:t>：教育など</a:t>
+            </a:r>
+            <a:r>
+              <a:rPr lang="ja-JP" altLang="en-US" sz="2800" dirty="0" smtClean="0">
+                <a:solidFill>
+                  <a:schemeClr val="bg1"/>
+                </a:solidFill>
+                <a:latin typeface="Times New Roman" pitchFamily="18" charset="0"/>
+                <a:cs typeface="Times New Roman" pitchFamily="18" charset="0"/>
+              </a:rPr>
+              <a:t>の社会的</a:t>
+            </a:r>
+            <a:r>
+              <a:rPr lang="ja-JP" altLang="en-US" sz="2800" dirty="0">
+                <a:solidFill>
+                  <a:schemeClr val="bg1"/>
+                </a:solidFill>
+                <a:latin typeface="Times New Roman" pitchFamily="18" charset="0"/>
+                <a:cs typeface="Times New Roman" pitchFamily="18" charset="0"/>
+              </a:rPr>
+              <a:t>な問題の解決</a:t>
+            </a:r>
+            <a:endParaRPr lang="en-US" altLang="ja-JP" sz="2800" dirty="0">
               <a:solidFill>
                 <a:schemeClr val="bg1"/>
               </a:solidFill>
+              <a:latin typeface="Times New Roman" pitchFamily="18" charset="0"/>
+              <a:cs typeface="Times New Roman" pitchFamily="18" charset="0"/>
             </a:endParaRPr>
           </a:p>
           <a:p>
             <a:r>
-              <a:rPr lang="ja-JP" altLang="en-US" sz="4000" dirty="0" smtClean="0">
+              <a:rPr lang="ja-JP" altLang="en-US" sz="2800" dirty="0">
                 <a:solidFill>
                   <a:schemeClr val="bg1"/>
                 </a:solidFill>
+                <a:latin typeface="Times New Roman" pitchFamily="18" charset="0"/>
+                <a:cs typeface="Times New Roman" pitchFamily="18" charset="0"/>
               </a:rPr>
-              <a:t>広義ではその目的のために</a:t>
-            </a:r>
-            <a:endParaRPr lang="en-US" altLang="ja-JP" sz="4000" dirty="0" smtClean="0">
+              <a:t>手段：</a:t>
+            </a:r>
+            <a:r>
+              <a:rPr lang="ja-JP" altLang="en-US" sz="2800" dirty="0" smtClean="0">
+                <a:solidFill>
+                  <a:schemeClr val="bg1"/>
+                </a:solidFill>
+                <a:latin typeface="Times New Roman" pitchFamily="18" charset="0"/>
+                <a:cs typeface="Times New Roman" pitchFamily="18" charset="0"/>
+              </a:rPr>
+              <a:t>デジタルゲーム</a:t>
+            </a:r>
+            <a:endParaRPr lang="en-US" altLang="ja-JP" sz="2800" dirty="0" smtClean="0">
               <a:solidFill>
                 <a:schemeClr val="bg1"/>
               </a:solidFill>
+              <a:latin typeface="Times New Roman" pitchFamily="18" charset="0"/>
+              <a:cs typeface="Times New Roman" pitchFamily="18" charset="0"/>
             </a:endParaRPr>
           </a:p>
           <a:p>
-            <a:r>
-              <a:rPr lang="ja-JP" altLang="en-US" sz="4000" dirty="0" smtClean="0">
-                <a:solidFill>
-                  <a:schemeClr val="bg1"/>
-                </a:solidFill>
-              </a:rPr>
-              <a:t>利用可能なゲームも含む</a:t>
-            </a:r>
-            <a:endParaRPr lang="en-US" altLang="ja-JP" sz="4000" dirty="0">
+            <a:endParaRPr lang="en-US" altLang="ja-JP" sz="2800" dirty="0">
               <a:solidFill>
                 <a:schemeClr val="bg1"/>
               </a:solidFill>
+              <a:latin typeface="Times New Roman" pitchFamily="18" charset="0"/>
+              <a:cs typeface="Times New Roman" pitchFamily="18" charset="0"/>
+            </a:endParaRPr>
+          </a:p>
+          <a:p>
+            <a:r>
+              <a:rPr lang="ja-JP" altLang="en-US" sz="2800" dirty="0" smtClean="0">
+                <a:solidFill>
+                  <a:schemeClr val="bg1"/>
+                </a:solidFill>
+                <a:latin typeface="Times New Roman" pitchFamily="18" charset="0"/>
+                <a:cs typeface="Times New Roman" pitchFamily="18" charset="0"/>
+              </a:rPr>
+              <a:t>シリアスゲームは社会の問題解決の</a:t>
+            </a:r>
+            <a:endParaRPr lang="en-US" altLang="ja-JP" sz="2800" dirty="0" smtClean="0">
+              <a:solidFill>
+                <a:schemeClr val="bg1"/>
+              </a:solidFill>
+              <a:latin typeface="Times New Roman" pitchFamily="18" charset="0"/>
+              <a:cs typeface="Times New Roman" pitchFamily="18" charset="0"/>
+            </a:endParaRPr>
+          </a:p>
+          <a:p>
+            <a:r>
+              <a:rPr lang="ja-JP" altLang="en-US" sz="2800" dirty="0" smtClean="0">
+                <a:solidFill>
+                  <a:schemeClr val="bg1"/>
+                </a:solidFill>
+                <a:latin typeface="Times New Roman" pitchFamily="18" charset="0"/>
+                <a:cs typeface="Times New Roman" pitchFamily="18" charset="0"/>
+              </a:rPr>
+              <a:t>ために活用されるゲームの</a:t>
+            </a:r>
+            <a:r>
+              <a:rPr lang="ja-JP" altLang="en-US" sz="2800" dirty="0" smtClean="0">
+                <a:solidFill>
+                  <a:srgbClr val="FF0000"/>
+                </a:solidFill>
+                <a:latin typeface="Times New Roman" pitchFamily="18" charset="0"/>
+                <a:cs typeface="Times New Roman" pitchFamily="18" charset="0"/>
+              </a:rPr>
+              <a:t>ジャンル</a:t>
+            </a:r>
+            <a:endParaRPr lang="en-US" altLang="ja-JP" sz="2800" dirty="0" smtClean="0">
+              <a:solidFill>
+                <a:srgbClr val="FF0000"/>
+              </a:solidFill>
+              <a:latin typeface="Times New Roman" pitchFamily="18" charset="0"/>
+              <a:cs typeface="Times New Roman" pitchFamily="18" charset="0"/>
+            </a:endParaRPr>
+          </a:p>
+          <a:p>
+            <a:r>
+              <a:rPr lang="ja-JP" altLang="en-US" sz="2800" dirty="0" smtClean="0">
+                <a:solidFill>
+                  <a:schemeClr val="bg1"/>
+                </a:solidFill>
+                <a:latin typeface="Times New Roman" pitchFamily="18" charset="0"/>
+                <a:cs typeface="Times New Roman" pitchFamily="18" charset="0"/>
+              </a:rPr>
+              <a:t>ゲーミフィケーションはゲーム要素のゲーム領域以外での利用という</a:t>
+            </a:r>
+            <a:r>
+              <a:rPr lang="ja-JP" altLang="en-US" sz="2800" dirty="0" smtClean="0">
+                <a:solidFill>
+                  <a:srgbClr val="FF0000"/>
+                </a:solidFill>
+                <a:latin typeface="Times New Roman" pitchFamily="18" charset="0"/>
+                <a:cs typeface="Times New Roman" pitchFamily="18" charset="0"/>
+              </a:rPr>
+              <a:t>手法</a:t>
+            </a:r>
+            <a:endParaRPr lang="en-US" altLang="ja-JP" sz="2800" dirty="0" smtClean="0">
+              <a:solidFill>
+                <a:srgbClr val="FF0000"/>
+              </a:solidFill>
+              <a:latin typeface="Times New Roman" pitchFamily="18" charset="0"/>
+              <a:cs typeface="Times New Roman" pitchFamily="18" charset="0"/>
+            </a:endParaRPr>
+          </a:p>
+          <a:p>
+            <a:endParaRPr lang="en-US" altLang="ja-JP" sz="2800" dirty="0">
+              <a:solidFill>
+                <a:srgbClr val="FF0000"/>
+              </a:solidFill>
+              <a:latin typeface="Times New Roman" pitchFamily="18" charset="0"/>
+              <a:cs typeface="Times New Roman" pitchFamily="18" charset="0"/>
             </a:endParaRPr>
           </a:p>
         </p:txBody>
